--- a/06-testing_resources_in_recipes.pptx
+++ b/06-testing_resources_in_recipes.pptx
@@ -3277,7 +3277,15 @@
             </a:r>
             <a:r>
               <a:rPr lang="en-US" baseline="0" dirty="0"/>
-              <a:t> specification for only the service recipe. We defined two examples. One that states the expectation that the necessary service has been started. The other states the expectation that the necessary service has been enabled.</a:t>
+              <a:t> specification for only the configuration recipe. We defined an example that states we expect the chef run to render a file (either through a file, template, or </a:t>
+            </a:r>
+            <a:r>
+              <a:rPr lang="en-US" baseline="0" dirty="0" err="1"/>
+              <a:t>cookbook_file</a:t>
+            </a:r>
+            <a:r>
+              <a:rPr lang="en-US" baseline="0" dirty="0"/>
+              <a:t>) with the correct content.</a:t>
             </a:r>
           </a:p>
           <a:p>
@@ -5526,14 +5534,14 @@
           </a:ln>
           <a:extLst>
             <a:ext uri="{909E8E84-426E-40dd-AFC4-6F175D3DCCD1}">
-              <a14:hiddenFill xmlns="" xmlns:a14="http://schemas.microsoft.com/office/drawing/2010/main">
+              <a14:hiddenFill xmlns:a14="http://schemas.microsoft.com/office/drawing/2010/main" xmlns="">
                 <a:solidFill>
                   <a:srgbClr val="FFFFFF"/>
                 </a:solidFill>
               </a14:hiddenFill>
             </a:ext>
             <a:ext uri="{91240B29-F687-4f45-9708-019B960494DF}">
-              <a14:hiddenLine xmlns="" xmlns:a14="http://schemas.microsoft.com/office/drawing/2010/main" w="9525">
+              <a14:hiddenLine xmlns:a14="http://schemas.microsoft.com/office/drawing/2010/main" xmlns="" w="9525">
                 <a:solidFill>
                   <a:srgbClr val="000000"/>
                 </a:solidFill>
@@ -5681,14 +5689,14 @@
           </a:ln>
           <a:extLst>
             <a:ext uri="{909E8E84-426E-40dd-AFC4-6F175D3DCCD1}">
-              <a14:hiddenFill xmlns="" xmlns:a14="http://schemas.microsoft.com/office/drawing/2010/main">
+              <a14:hiddenFill xmlns:a14="http://schemas.microsoft.com/office/drawing/2010/main" xmlns="">
                 <a:solidFill>
                   <a:srgbClr val="FFFFFF"/>
                 </a:solidFill>
               </a14:hiddenFill>
             </a:ext>
             <a:ext uri="{91240B29-F687-4f45-9708-019B960494DF}">
-              <a14:hiddenLine xmlns="" xmlns:a14="http://schemas.microsoft.com/office/drawing/2010/main" w="9525">
+              <a14:hiddenLine xmlns:a14="http://schemas.microsoft.com/office/drawing/2010/main" xmlns="" w="9525">
                 <a:solidFill>
                   <a:srgbClr val="000000"/>
                 </a:solidFill>
@@ -6179,14 +6187,14 @@
           </a:ln>
           <a:extLst>
             <a:ext uri="{909E8E84-426E-40dd-AFC4-6F175D3DCCD1}">
-              <a14:hiddenFill xmlns="" xmlns:a14="http://schemas.microsoft.com/office/drawing/2010/main">
+              <a14:hiddenFill xmlns:a14="http://schemas.microsoft.com/office/drawing/2010/main" xmlns="">
                 <a:solidFill>
                   <a:srgbClr val="FFFFFF"/>
                 </a:solidFill>
               </a14:hiddenFill>
             </a:ext>
             <a:ext uri="{91240B29-F687-4f45-9708-019B960494DF}">
-              <a14:hiddenLine xmlns="" xmlns:a14="http://schemas.microsoft.com/office/drawing/2010/main" w="9525">
+              <a14:hiddenLine xmlns:a14="http://schemas.microsoft.com/office/drawing/2010/main" xmlns="" w="9525">
                 <a:solidFill>
                   <a:srgbClr val="000000"/>
                 </a:solidFill>
@@ -7613,14 +7621,14 @@
           </a:ln>
           <a:extLst>
             <a:ext uri="{909E8E84-426E-40dd-AFC4-6F175D3DCCD1}">
-              <a14:hiddenFill xmlns="" xmlns:a14="http://schemas.microsoft.com/office/drawing/2010/main">
+              <a14:hiddenFill xmlns:a14="http://schemas.microsoft.com/office/drawing/2010/main" xmlns="">
                 <a:solidFill>
                   <a:srgbClr val="FFFFFF"/>
                 </a:solidFill>
               </a14:hiddenFill>
             </a:ext>
             <a:ext uri="{91240B29-F687-4f45-9708-019B960494DF}">
-              <a14:hiddenLine xmlns="" xmlns:a14="http://schemas.microsoft.com/office/drawing/2010/main" w="9525">
+              <a14:hiddenLine xmlns:a14="http://schemas.microsoft.com/office/drawing/2010/main" xmlns="" w="9525">
                 <a:solidFill>
                   <a:srgbClr val="000000"/>
                 </a:solidFill>
@@ -8954,14 +8962,14 @@
           </a:ln>
           <a:extLst>
             <a:ext uri="{909E8E84-426E-40dd-AFC4-6F175D3DCCD1}">
-              <a14:hiddenFill xmlns="" xmlns:a14="http://schemas.microsoft.com/office/drawing/2010/main">
+              <a14:hiddenFill xmlns:a14="http://schemas.microsoft.com/office/drawing/2010/main" xmlns="">
                 <a:solidFill>
                   <a:srgbClr val="FFFFFF"/>
                 </a:solidFill>
               </a14:hiddenFill>
             </a:ext>
             <a:ext uri="{91240B29-F687-4f45-9708-019B960494DF}">
-              <a14:hiddenLine xmlns="" xmlns:a14="http://schemas.microsoft.com/office/drawing/2010/main" w="9525">
+              <a14:hiddenLine xmlns:a14="http://schemas.microsoft.com/office/drawing/2010/main" xmlns="" w="9525">
                 <a:solidFill>
                   <a:srgbClr val="000000"/>
                 </a:solidFill>
@@ -9317,14 +9325,14 @@
           </a:ln>
           <a:extLst>
             <a:ext uri="{909E8E84-426E-40dd-AFC4-6F175D3DCCD1}">
-              <a14:hiddenFill xmlns="" xmlns:a14="http://schemas.microsoft.com/office/drawing/2010/main">
+              <a14:hiddenFill xmlns:a14="http://schemas.microsoft.com/office/drawing/2010/main" xmlns="">
                 <a:solidFill>
                   <a:srgbClr val="FFFFFF"/>
                 </a:solidFill>
               </a14:hiddenFill>
             </a:ext>
             <a:ext uri="{91240B29-F687-4f45-9708-019B960494DF}">
-              <a14:hiddenLine xmlns="" xmlns:a14="http://schemas.microsoft.com/office/drawing/2010/main" w="9525">
+              <a14:hiddenLine xmlns:a14="http://schemas.microsoft.com/office/drawing/2010/main" xmlns="" w="9525">
                 <a:solidFill>
                   <a:srgbClr val="000000"/>
                 </a:solidFill>
@@ -9882,14 +9890,14 @@
           </a:ln>
           <a:extLst>
             <a:ext uri="{909E8E84-426E-40dd-AFC4-6F175D3DCCD1}">
-              <a14:hiddenFill xmlns="" xmlns:a14="http://schemas.microsoft.com/office/drawing/2010/main">
+              <a14:hiddenFill xmlns:a14="http://schemas.microsoft.com/office/drawing/2010/main" xmlns="">
                 <a:solidFill>
                   <a:srgbClr val="FFFFFF"/>
                 </a:solidFill>
               </a14:hiddenFill>
             </a:ext>
             <a:ext uri="{91240B29-F687-4f45-9708-019B960494DF}">
-              <a14:hiddenLine xmlns="" xmlns:a14="http://schemas.microsoft.com/office/drawing/2010/main" w="9525">
+              <a14:hiddenLine xmlns:a14="http://schemas.microsoft.com/office/drawing/2010/main" xmlns="" w="9525">
                 <a:solidFill>
                   <a:srgbClr val="000000"/>
                 </a:solidFill>
@@ -10456,14 +10464,14 @@
           </a:ln>
           <a:extLst>
             <a:ext uri="{909E8E84-426E-40dd-AFC4-6F175D3DCCD1}">
-              <a14:hiddenFill xmlns="" xmlns:a14="http://schemas.microsoft.com/office/drawing/2010/main">
+              <a14:hiddenFill xmlns:a14="http://schemas.microsoft.com/office/drawing/2010/main" xmlns="">
                 <a:solidFill>
                   <a:srgbClr val="FFFFFF"/>
                 </a:solidFill>
               </a14:hiddenFill>
             </a:ext>
             <a:ext uri="{91240B29-F687-4f45-9708-019B960494DF}">
-              <a14:hiddenLine xmlns="" xmlns:a14="http://schemas.microsoft.com/office/drawing/2010/main" w="9525">
+              <a14:hiddenLine xmlns:a14="http://schemas.microsoft.com/office/drawing/2010/main" xmlns="" w="9525">
                 <a:solidFill>
                   <a:srgbClr val="000000"/>
                 </a:solidFill>
@@ -11403,14 +11411,14 @@
           </a:ln>
           <a:extLst>
             <a:ext uri="{909E8E84-426E-40dd-AFC4-6F175D3DCCD1}">
-              <a14:hiddenFill xmlns="" xmlns:a14="http://schemas.microsoft.com/office/drawing/2010/main">
+              <a14:hiddenFill xmlns:a14="http://schemas.microsoft.com/office/drawing/2010/main" xmlns="">
                 <a:solidFill>
                   <a:srgbClr val="FFFFFF"/>
                 </a:solidFill>
               </a14:hiddenFill>
             </a:ext>
             <a:ext uri="{91240B29-F687-4f45-9708-019B960494DF}">
-              <a14:hiddenLine xmlns="" xmlns:a14="http://schemas.microsoft.com/office/drawing/2010/main" w="9525">
+              <a14:hiddenLine xmlns:a14="http://schemas.microsoft.com/office/drawing/2010/main" xmlns="" w="9525">
                 <a:solidFill>
                   <a:srgbClr val="000000"/>
                 </a:solidFill>
@@ -11509,7 +11517,7 @@
                 <a:ea typeface="+mn-ea"/>
                 <a:cs typeface="+mn-cs"/>
               </a:rPr>
-              <a:t>2017</a:t>
+              <a:t>2018</a:t>
             </a:r>
             <a:r>
               <a:rPr lang="en-US" dirty="0">
@@ -12165,14 +12173,14 @@
           </a:ln>
           <a:extLst>
             <a:ext uri="{909E8E84-426E-40dd-AFC4-6F175D3DCCD1}">
-              <a14:hiddenFill xmlns="" xmlns:a14="http://schemas.microsoft.com/office/drawing/2010/main">
+              <a14:hiddenFill xmlns:a14="http://schemas.microsoft.com/office/drawing/2010/main" xmlns="">
                 <a:solidFill>
                   <a:srgbClr val="FFFFFF"/>
                 </a:solidFill>
               </a14:hiddenFill>
             </a:ext>
             <a:ext uri="{91240B29-F687-4f45-9708-019B960494DF}">
-              <a14:hiddenLine xmlns="" xmlns:a14="http://schemas.microsoft.com/office/drawing/2010/main" w="9525">
+              <a14:hiddenLine xmlns:a14="http://schemas.microsoft.com/office/drawing/2010/main" xmlns="" w="9525">
                 <a:solidFill>
                   <a:srgbClr val="000000"/>
                 </a:solidFill>
@@ -12271,7 +12279,7 @@
                 <a:ea typeface="+mn-ea"/>
                 <a:cs typeface="+mn-cs"/>
               </a:rPr>
-              <a:t>2017</a:t>
+              <a:t>2018</a:t>
             </a:r>
             <a:r>
               <a:rPr lang="en-US" dirty="0">
@@ -14509,7 +14517,7 @@
           <a:p>
             <a:r>
               <a:rPr lang="en-US" dirty="0"/>
-              <a:t>Finished in 0.73662 seconds (files took 4.4 seconds to load)</a:t>
+              <a:t>Finished in 0.62738 seconds (files took 1.84 seconds to load) </a:t>
             </a:r>
           </a:p>
           <a:p>
@@ -14873,7 +14881,7 @@
           <a:p>
             <a:r>
               <a:rPr lang="en-US" dirty="0"/>
-              <a:t># Cookbook Name:: apache</a:t>
+              <a:t># Cookbook::apache</a:t>
             </a:r>
           </a:p>
           <a:p>
@@ -14891,15 +14899,7 @@
           <a:p>
             <a:r>
               <a:rPr lang="en-US" dirty="0"/>
-              <a:t># Copyright (c) </a:t>
-            </a:r>
-            <a:r>
-              <a:rPr lang="is-IS" dirty="0"/>
-              <a:t>2017</a:t>
-            </a:r>
-            <a:r>
-              <a:rPr lang="en-US" dirty="0"/>
-              <a:t> The Authors, All Rights Reserved.</a:t>
+              <a:t># Copyright:: 2018,The Authors, All Rights Reserved.</a:t>
             </a:r>
           </a:p>
           <a:p>
@@ -15037,13 +15037,25 @@
           <a:p>
             <a:r>
               <a:rPr lang="en-US" dirty="0"/>
-              <a:t>  1) apache::install When all attributes are default, on an CentOS 6.9 installs the appropriate package</a:t>
-            </a:r>
-          </a:p>
-          <a:p>
-            <a:r>
-              <a:rPr lang="en-US" dirty="0"/>
-              <a:t>     Failure/Error: expect(</a:t>
+              <a:t>  1) apache::install When all attributes are default, on CentOS 6.9 installs the appropriate package</a:t>
+            </a:r>
+          </a:p>
+          <a:p>
+            <a:r>
+              <a:rPr lang="en-US" dirty="0"/>
+              <a:t>     </a:t>
+            </a:r>
+            <a:r>
+              <a:rPr lang="en-US" dirty="0">
+                <a:solidFill>
+                  <a:srgbClr val="DD312E"/>
+                </a:solidFill>
+              </a:rPr>
+              <a:t>Failure/Error:</a:t>
+            </a:r>
+            <a:r>
+              <a:rPr lang="en-US" dirty="0"/>
+              <a:t> expect(</a:t>
             </a:r>
             <a:r>
               <a:rPr lang="en-US" dirty="0" err="1"/>
@@ -15059,28 +15071,64 @@
             </a:r>
             <a:r>
               <a:rPr lang="en-US" dirty="0"/>
-              <a:t>('</a:t>
-            </a:r>
-            <a:r>
-              <a:rPr lang="en-US" dirty="0" err="1"/>
+              <a:t>(</a:t>
+            </a:r>
+            <a:r>
+              <a:rPr lang="en-US" dirty="0">
+                <a:solidFill>
+                  <a:srgbClr val="DD312E"/>
+                </a:solidFill>
+              </a:rPr>
+              <a:t>'</a:t>
+            </a:r>
+            <a:r>
+              <a:rPr lang="en-US" dirty="0" err="1">
+                <a:solidFill>
+                  <a:srgbClr val="DD312E"/>
+                </a:solidFill>
+              </a:rPr>
               <a:t>httpd</a:t>
             </a:r>
             <a:r>
-              <a:rPr lang="en-US" dirty="0"/>
-              <a:t>')</a:t>
-            </a:r>
-          </a:p>
-          <a:p>
-            <a:r>
-              <a:rPr lang="en-US" dirty="0"/>
-              <a:t>       expected "package[</a:t>
-            </a:r>
-            <a:r>
-              <a:rPr lang="en-US" dirty="0" err="1"/>
+              <a:rPr lang="en-US" dirty="0">
+                <a:solidFill>
+                  <a:srgbClr val="DD312E"/>
+                </a:solidFill>
+              </a:rPr>
+              <a:t>'</a:t>
+            </a:r>
+            <a:r>
+              <a:rPr lang="en-US" dirty="0"/>
+              <a:t>)</a:t>
+            </a:r>
+          </a:p>
+          <a:p>
+            <a:r>
+              <a:rPr lang="en-US" dirty="0"/>
+              <a:t>       </a:t>
+            </a:r>
+            <a:r>
+              <a:rPr lang="en-US" dirty="0">
+                <a:solidFill>
+                  <a:srgbClr val="DD312E"/>
+                </a:solidFill>
+              </a:rPr>
+              <a:t>expected "package[</a:t>
+            </a:r>
+            <a:r>
+              <a:rPr lang="en-US" dirty="0" err="1">
+                <a:solidFill>
+                  <a:srgbClr val="DD312E"/>
+                </a:solidFill>
+              </a:rPr>
               <a:t>httpd</a:t>
             </a:r>
             <a:r>
-              <a:rPr lang="en-US" dirty="0"/>
+              <a:rPr lang="en-US" dirty="0">
+                <a:solidFill>
+                  <a:srgbClr val="DD312E"/>
+                </a:solidFill>
+              </a:rPr>
               <a:t>]" with action :install to be in Chef run. Other package resources:</a:t>
             </a:r>
           </a:p>
@@ -15245,7 +15293,7 @@
           <a:p>
             <a:r>
               <a:rPr lang="en-US" dirty="0"/>
-              <a:t># Cookbook Name:: apache</a:t>
+              <a:t># Cookbook::apache</a:t>
             </a:r>
           </a:p>
           <a:p>
@@ -15263,15 +15311,7 @@
           <a:p>
             <a:r>
               <a:rPr lang="en-US" dirty="0"/>
-              <a:t># Copyright (c) </a:t>
-            </a:r>
-            <a:r>
-              <a:rPr lang="is-IS" dirty="0"/>
-              <a:t>2017</a:t>
-            </a:r>
-            <a:r>
-              <a:rPr lang="en-US" dirty="0"/>
-              <a:t> The Authors, All Rights Reserved.</a:t>
+              <a:t># Copyright:: 2018,The Authors, All Rights Reserved.</a:t>
             </a:r>
           </a:p>
           <a:p>
@@ -16281,7 +16321,7 @@
           <a:p>
             <a:r>
               <a:rPr lang="en-US" dirty="0"/>
-              <a:t>  context 'When all attributes are default, on an CentOS 6.9' do</a:t>
+              <a:t>  context 'When all attributes are default, on CentOS 6.9' do</a:t>
             </a:r>
           </a:p>
           <a:p>
@@ -16774,7 +16814,7 @@
           <a:p>
             <a:r>
               <a:rPr lang="en-US" dirty="0"/>
-              <a:t>Finished in 0.93685 seconds (files took 4.28 seconds to load)</a:t>
+              <a:t>Finished in 0.6329 seconds (files took 1.85 seconds to load)</a:t>
             </a:r>
           </a:p>
           <a:p>
@@ -17460,7 +17500,7 @@
           <a:p>
             <a:r>
               <a:rPr lang="en-US" dirty="0"/>
-              <a:t>  context 'When all attributes are default, on an CentOS 6.9' do</a:t>
+              <a:t>  context 'When all attributes are default, on CentOS 6.9' do</a:t>
             </a:r>
           </a:p>
           <a:p>
@@ -17714,7 +17754,7 @@
           <a:p>
             <a:r>
               <a:rPr lang="en-US" dirty="0"/>
-              <a:t>Write the Tests to Verify the Service</a:t>
+              <a:t>Write the Tests to Verify the Configuration</a:t>
             </a:r>
           </a:p>
         </p:txBody>
@@ -18147,14 +18187,18 @@
           </a:p>
           <a:p>
             <a:r>
-              <a:rPr lang="en-US" dirty="0"/>
-              <a:t>Finished in 2.31 seconds (files took 1.86 seconds to load)</a:t>
-            </a:r>
-          </a:p>
-          <a:p>
-            <a:r>
-              <a:rPr lang="en-US" dirty="0"/>
-              <a:t>11 examples, 0 failures</a:t>
+              <a:rPr lang="en-US"/>
+              <a:t>Finished in 2.27 seconds (files took 1.82 seconds to load) </a:t>
+            </a:r>
+          </a:p>
+          <a:p>
+            <a:r>
+              <a:rPr lang="en-US"/>
+              <a:t>11 </a:t>
+            </a:r>
+            <a:r>
+              <a:rPr lang="en-US" dirty="0"/>
+              <a:t>examples, 0 failures</a:t>
             </a:r>
           </a:p>
         </p:txBody>
@@ -18840,7 +18884,7 @@
           <a:p>
             <a:r>
               <a:rPr lang="en-US" dirty="0"/>
-              <a:t>Finished in 0.7663 seconds (files took 1.86 seconds to load)</a:t>
+              <a:t>Finished in 0.97525 seconds (files took 1.81 seconds to load)</a:t>
             </a:r>
           </a:p>
           <a:p>
@@ -19325,7 +19369,7 @@
           <a:p>
             <a:r>
               <a:rPr lang="en-US" dirty="0"/>
-              <a:t>  context 'When all attributes are default, on an CentOS 6.9' do</a:t>
+              <a:t>  context 'When all attributes are default, on CentOS 6.9' do</a:t>
             </a:r>
           </a:p>
           <a:p>
@@ -21185,6 +21229,52 @@
 </file>
 
 <file path=customXml/item1.xml><?xml version="1.0" encoding="utf-8"?>
+<?mso-contentType ?>
+<spe:Receivers xmlns:spe="http://schemas.microsoft.com/sharepoint/events">
+  <Receiver>
+    <Name>Document ID Generator</Name>
+    <Synchronization>Synchronous</Synchronization>
+    <Type>10001</Type>
+    <SequenceNumber>1000</SequenceNumber>
+    <Assembly>Microsoft.Office.DocumentManagement, Version=14.0.0.0, Culture=neutral, PublicKeyToken=71e9bce111e9429c</Assembly>
+    <Class>Microsoft.Office.DocumentManagement.Internal.DocIdHandler</Class>
+    <Data/>
+    <Filter/>
+  </Receiver>
+  <Receiver>
+    <Name>Document ID Generator</Name>
+    <Synchronization>Synchronous</Synchronization>
+    <Type>10002</Type>
+    <SequenceNumber>1001</SequenceNumber>
+    <Assembly>Microsoft.Office.DocumentManagement, Version=14.0.0.0, Culture=neutral, PublicKeyToken=71e9bce111e9429c</Assembly>
+    <Class>Microsoft.Office.DocumentManagement.Internal.DocIdHandler</Class>
+    <Data/>
+    <Filter/>
+  </Receiver>
+  <Receiver>
+    <Name>Document ID Generator</Name>
+    <Synchronization>Synchronous</Synchronization>
+    <Type>10004</Type>
+    <SequenceNumber>1002</SequenceNumber>
+    <Assembly>Microsoft.Office.DocumentManagement, Version=14.0.0.0, Culture=neutral, PublicKeyToken=71e9bce111e9429c</Assembly>
+    <Class>Microsoft.Office.DocumentManagement.Internal.DocIdHandler</Class>
+    <Data/>
+    <Filter/>
+  </Receiver>
+  <Receiver>
+    <Name>Document ID Generator</Name>
+    <Synchronization>Synchronous</Synchronization>
+    <Type>10006</Type>
+    <SequenceNumber>1003</SequenceNumber>
+    <Assembly>Microsoft.Office.DocumentManagement, Version=14.0.0.0, Culture=neutral, PublicKeyToken=71e9bce111e9429c</Assembly>
+    <Class>Microsoft.Office.DocumentManagement.Internal.DocIdHandler</Class>
+    <Data/>
+    <Filter/>
+  </Receiver>
+</spe:Receivers>
+</file>
+
+<file path=customXml/item2.xml><?xml version="1.0" encoding="utf-8"?>
 <ct:contentTypeSchema xmlns:ct="http://schemas.microsoft.com/office/2006/metadata/contentType" xmlns:ma="http://schemas.microsoft.com/office/2006/metadata/properties/metaAttributes" ct:_="" ma:_="" ma:contentTypeName="Document" ma:contentTypeID="0x0101000812F700BE7F874999720E88173FE491" ma:contentTypeVersion="0" ma:contentTypeDescription="Create a new document." ma:contentTypeScope="" ma:versionID="3f79f408e2ca720b7aba6e0e32464d0c">
   <xsd:schema xmlns:xsd="http://www.w3.org/2001/XMLSchema" xmlns:xs="http://www.w3.org/2001/XMLSchema" xmlns:p="http://schemas.microsoft.com/office/2006/metadata/properties" xmlns:ns2="7bb5d761-a2ea-4873-95f7-7a6658fb3ef0" targetNamespace="http://schemas.microsoft.com/office/2006/metadata/properties" ma:root="true" ma:fieldsID="1e062cd38ba31e406bfc4340fbc7f87a" ns2:_="">
     <xsd:import namespace="7bb5d761-a2ea-4873-95f7-7a6658fb3ef0"/>
@@ -21329,62 +21419,7 @@
 </ct:contentTypeSchema>
 </file>
 
-<file path=customXml/item2.xml><?xml version="1.0" encoding="utf-8"?>
-<?mso-contentType ?>
-<spe:Receivers xmlns:spe="http://schemas.microsoft.com/sharepoint/events">
-  <Receiver>
-    <Name>Document ID Generator</Name>
-    <Synchronization>Synchronous</Synchronization>
-    <Type>10001</Type>
-    <SequenceNumber>1000</SequenceNumber>
-    <Assembly>Microsoft.Office.DocumentManagement, Version=14.0.0.0, Culture=neutral, PublicKeyToken=71e9bce111e9429c</Assembly>
-    <Class>Microsoft.Office.DocumentManagement.Internal.DocIdHandler</Class>
-    <Data/>
-    <Filter/>
-  </Receiver>
-  <Receiver>
-    <Name>Document ID Generator</Name>
-    <Synchronization>Synchronous</Synchronization>
-    <Type>10002</Type>
-    <SequenceNumber>1001</SequenceNumber>
-    <Assembly>Microsoft.Office.DocumentManagement, Version=14.0.0.0, Culture=neutral, PublicKeyToken=71e9bce111e9429c</Assembly>
-    <Class>Microsoft.Office.DocumentManagement.Internal.DocIdHandler</Class>
-    <Data/>
-    <Filter/>
-  </Receiver>
-  <Receiver>
-    <Name>Document ID Generator</Name>
-    <Synchronization>Synchronous</Synchronization>
-    <Type>10004</Type>
-    <SequenceNumber>1002</SequenceNumber>
-    <Assembly>Microsoft.Office.DocumentManagement, Version=14.0.0.0, Culture=neutral, PublicKeyToken=71e9bce111e9429c</Assembly>
-    <Class>Microsoft.Office.DocumentManagement.Internal.DocIdHandler</Class>
-    <Data/>
-    <Filter/>
-  </Receiver>
-  <Receiver>
-    <Name>Document ID Generator</Name>
-    <Synchronization>Synchronous</Synchronization>
-    <Type>10006</Type>
-    <SequenceNumber>1003</SequenceNumber>
-    <Assembly>Microsoft.Office.DocumentManagement, Version=14.0.0.0, Culture=neutral, PublicKeyToken=71e9bce111e9429c</Assembly>
-    <Class>Microsoft.Office.DocumentManagement.Internal.DocIdHandler</Class>
-    <Data/>
-    <Filter/>
-  </Receiver>
-</spe:Receivers>
-</file>
-
 <file path=customXml/item3.xml><?xml version="1.0" encoding="utf-8"?>
-<?mso-contentType ?>
-<FormTemplates xmlns="http://schemas.microsoft.com/sharepoint/v3/contenttype/forms">
-  <Display>DocumentLibraryForm</Display>
-  <Edit>DocumentLibraryForm</Edit>
-  <New>DocumentLibraryForm</New>
-</FormTemplates>
-</file>
-
-<file path=customXml/item4.xml><?xml version="1.0" encoding="utf-8"?>
 <p:properties xmlns:p="http://schemas.microsoft.com/office/2006/metadata/properties" xmlns:xsi="http://www.w3.org/2001/XMLSchema-instance" xmlns:pc="http://schemas.microsoft.com/office/infopath/2007/PartnerControls">
   <documentManagement>
     <_dlc_DocId xmlns="7bb5d761-a2ea-4873-95f7-7a6658fb3ef0">M4CWTKMW727E-592-73</_dlc_DocId>
@@ -21396,7 +21431,24 @@
 </p:properties>
 </file>
 
+<file path=customXml/item4.xml><?xml version="1.0" encoding="utf-8"?>
+<?mso-contentType ?>
+<FormTemplates xmlns="http://schemas.microsoft.com/sharepoint/v3/contenttype/forms">
+  <Display>DocumentLibraryForm</Display>
+  <Edit>DocumentLibraryForm</Edit>
+  <New>DocumentLibraryForm</New>
+</FormTemplates>
+</file>
+
 <file path=customXml/itemProps1.xml><?xml version="1.0" encoding="utf-8"?>
+<ds:datastoreItem xmlns:ds="http://schemas.openxmlformats.org/officeDocument/2006/customXml" ds:itemID="{B13EBC30-FE27-4C6A-B723-23FC2188F7DC}">
+  <ds:schemaRefs>
+    <ds:schemaRef ds:uri="http://schemas.microsoft.com/sharepoint/events"/>
+  </ds:schemaRefs>
+</ds:datastoreItem>
+</file>
+
+<file path=customXml/itemProps2.xml><?xml version="1.0" encoding="utf-8"?>
 <ds:datastoreItem xmlns:ds="http://schemas.openxmlformats.org/officeDocument/2006/customXml" ds:itemID="{164479E5-0B02-49AC-B79E-EC1D6164DDD3}">
   <ds:schemaRefs>
     <ds:schemaRef ds:uri="http://schemas.microsoft.com/office/2006/metadata/contentType"/>
@@ -21414,23 +21466,7 @@
 </ds:datastoreItem>
 </file>
 
-<file path=customXml/itemProps2.xml><?xml version="1.0" encoding="utf-8"?>
-<ds:datastoreItem xmlns:ds="http://schemas.openxmlformats.org/officeDocument/2006/customXml" ds:itemID="{B13EBC30-FE27-4C6A-B723-23FC2188F7DC}">
-  <ds:schemaRefs>
-    <ds:schemaRef ds:uri="http://schemas.microsoft.com/sharepoint/events"/>
-  </ds:schemaRefs>
-</ds:datastoreItem>
-</file>
-
 <file path=customXml/itemProps3.xml><?xml version="1.0" encoding="utf-8"?>
-<ds:datastoreItem xmlns:ds="http://schemas.openxmlformats.org/officeDocument/2006/customXml" ds:itemID="{5CDEB364-43EC-4510-9881-539C2A3FCE9E}">
-  <ds:schemaRefs>
-    <ds:schemaRef ds:uri="http://schemas.microsoft.com/sharepoint/v3/contenttype/forms"/>
-  </ds:schemaRefs>
-</ds:datastoreItem>
-</file>
-
-<file path=customXml/itemProps4.xml><?xml version="1.0" encoding="utf-8"?>
 <ds:datastoreItem xmlns:ds="http://schemas.openxmlformats.org/officeDocument/2006/customXml" ds:itemID="{6921749B-AEB7-461B-845F-603CABD25259}">
   <ds:schemaRefs>
     <ds:schemaRef ds:uri="7bb5d761-a2ea-4873-95f7-7a6658fb3ef0"/>
@@ -21444,4 +21480,12 @@
     <ds:schemaRef ds:uri="http://www.w3.org/XML/1998/namespace"/>
   </ds:schemaRefs>
 </ds:datastoreItem>
+</file>
+
+<file path=customXml/itemProps4.xml><?xml version="1.0" encoding="utf-8"?>
+<ds:datastoreItem xmlns:ds="http://schemas.openxmlformats.org/officeDocument/2006/customXml" ds:itemID="{5CDEB364-43EC-4510-9881-539C2A3FCE9E}">
+  <ds:schemaRefs>
+    <ds:schemaRef ds:uri="http://schemas.microsoft.com/sharepoint/v3/contenttype/forms"/>
+  </ds:schemaRefs>
+</ds:datastoreItem>
 </file>